--- a/Orange/doc/CS01/task07/Task07.pptx
+++ b/Orange/doc/CS01/task07/Task07.pptx
@@ -12,9 +12,9 @@
     <p:sldId id="265" r:id="rId3"/>
     <p:sldId id="269" r:id="rId4"/>
     <p:sldId id="270" r:id="rId5"/>
-    <p:sldId id="266" r:id="rId6"/>
-    <p:sldId id="267" r:id="rId7"/>
-    <p:sldId id="268" r:id="rId8"/>
+    <p:sldId id="267" r:id="rId6"/>
+    <p:sldId id="268" r:id="rId7"/>
+    <p:sldId id="266" r:id="rId8"/>
     <p:sldId id="264" r:id="rId9"/>
   </p:sldIdLst>
   <p:sldSz cx="12192000" cy="6858000"/>
@@ -557,6 +557,174 @@
 </file>
 
 <file path=ppt/notesSlides/notesSlide2.xml><?xml version="1.0" encoding="utf-8"?>
+<p:notes xmlns:a="http://schemas.openxmlformats.org/drawingml/2006/main" xmlns:r="http://schemas.openxmlformats.org/officeDocument/2006/relationships" xmlns:p="http://schemas.openxmlformats.org/presentationml/2006/main">
+  <p:cSld>
+    <p:spTree>
+      <p:nvGrpSpPr>
+        <p:cNvPr id="1" name=""/>
+        <p:cNvGrpSpPr/>
+        <p:nvPr/>
+      </p:nvGrpSpPr>
+      <p:grpSpPr>
+        <a:xfrm>
+          <a:off x="0" y="0"/>
+          <a:ext cx="0" cy="0"/>
+          <a:chOff x="0" y="0"/>
+          <a:chExt cx="0" cy="0"/>
+        </a:xfrm>
+      </p:grpSpPr>
+      <p:sp>
+        <p:nvSpPr>
+          <p:cNvPr id="2" name="Folienbildplatzhalter 1"/>
+          <p:cNvSpPr>
+            <a:spLocks noGrp="1" noRot="1" noChangeAspect="1"/>
+          </p:cNvSpPr>
+          <p:nvPr>
+            <p:ph type="sldImg"/>
+          </p:nvPr>
+        </p:nvSpPr>
+        <p:spPr/>
+      </p:sp>
+      <p:sp>
+        <p:nvSpPr>
+          <p:cNvPr id="3" name="Notizenplatzhalter 2"/>
+          <p:cNvSpPr>
+            <a:spLocks noGrp="1"/>
+          </p:cNvSpPr>
+          <p:nvPr>
+            <p:ph type="body" idx="1"/>
+          </p:nvPr>
+        </p:nvSpPr>
+        <p:spPr/>
+        <p:txBody>
+          <a:bodyPr/>
+          <a:lstStyle/>
+          <a:p>
+            <a:endParaRPr lang="en-GB" dirty="0"/>
+          </a:p>
+        </p:txBody>
+      </p:sp>
+      <p:sp>
+        <p:nvSpPr>
+          <p:cNvPr id="4" name="Foliennummernplatzhalter 3"/>
+          <p:cNvSpPr>
+            <a:spLocks noGrp="1"/>
+          </p:cNvSpPr>
+          <p:nvPr>
+            <p:ph type="sldNum" sz="quarter" idx="10"/>
+          </p:nvPr>
+        </p:nvSpPr>
+        <p:spPr/>
+        <p:txBody>
+          <a:bodyPr/>
+          <a:lstStyle/>
+          <a:p>
+            <a:fld id="{6EF20B0F-E6B9-4CD6-95D5-6D8989F300DE}" type="slidenum">
+              <a:rPr lang="de-CH" smtClean="0"/>
+              <a:t>5</a:t>
+            </a:fld>
+            <a:endParaRPr lang="de-CH"/>
+          </a:p>
+        </p:txBody>
+      </p:sp>
+    </p:spTree>
+    <p:extLst>
+      <p:ext uri="{BB962C8B-B14F-4D97-AF65-F5344CB8AC3E}">
+        <p14:creationId xmlns:p14="http://schemas.microsoft.com/office/powerpoint/2010/main" val="2946228896"/>
+      </p:ext>
+    </p:extLst>
+  </p:cSld>
+  <p:clrMapOvr>
+    <a:masterClrMapping/>
+  </p:clrMapOvr>
+</p:notes>
+</file>
+
+<file path=ppt/notesSlides/notesSlide3.xml><?xml version="1.0" encoding="utf-8"?>
+<p:notes xmlns:a="http://schemas.openxmlformats.org/drawingml/2006/main" xmlns:r="http://schemas.openxmlformats.org/officeDocument/2006/relationships" xmlns:p="http://schemas.openxmlformats.org/presentationml/2006/main">
+  <p:cSld>
+    <p:spTree>
+      <p:nvGrpSpPr>
+        <p:cNvPr id="1" name=""/>
+        <p:cNvGrpSpPr/>
+        <p:nvPr/>
+      </p:nvGrpSpPr>
+      <p:grpSpPr>
+        <a:xfrm>
+          <a:off x="0" y="0"/>
+          <a:ext cx="0" cy="0"/>
+          <a:chOff x="0" y="0"/>
+          <a:chExt cx="0" cy="0"/>
+        </a:xfrm>
+      </p:grpSpPr>
+      <p:sp>
+        <p:nvSpPr>
+          <p:cNvPr id="2" name="Folienbildplatzhalter 1"/>
+          <p:cNvSpPr>
+            <a:spLocks noGrp="1" noRot="1" noChangeAspect="1"/>
+          </p:cNvSpPr>
+          <p:nvPr>
+            <p:ph type="sldImg"/>
+          </p:nvPr>
+        </p:nvSpPr>
+        <p:spPr/>
+      </p:sp>
+      <p:sp>
+        <p:nvSpPr>
+          <p:cNvPr id="3" name="Notizenplatzhalter 2"/>
+          <p:cNvSpPr>
+            <a:spLocks noGrp="1"/>
+          </p:cNvSpPr>
+          <p:nvPr>
+            <p:ph type="body" idx="1"/>
+          </p:nvPr>
+        </p:nvSpPr>
+        <p:spPr/>
+        <p:txBody>
+          <a:bodyPr/>
+          <a:lstStyle/>
+          <a:p>
+            <a:endParaRPr lang="en-GB" dirty="0"/>
+          </a:p>
+        </p:txBody>
+      </p:sp>
+      <p:sp>
+        <p:nvSpPr>
+          <p:cNvPr id="4" name="Foliennummernplatzhalter 3"/>
+          <p:cNvSpPr>
+            <a:spLocks noGrp="1"/>
+          </p:cNvSpPr>
+          <p:nvPr>
+            <p:ph type="sldNum" sz="quarter" idx="10"/>
+          </p:nvPr>
+        </p:nvSpPr>
+        <p:spPr/>
+        <p:txBody>
+          <a:bodyPr/>
+          <a:lstStyle/>
+          <a:p>
+            <a:fld id="{6EF20B0F-E6B9-4CD6-95D5-6D8989F300DE}" type="slidenum">
+              <a:rPr lang="de-CH" smtClean="0"/>
+              <a:t>6</a:t>
+            </a:fld>
+            <a:endParaRPr lang="de-CH"/>
+          </a:p>
+        </p:txBody>
+      </p:sp>
+    </p:spTree>
+    <p:extLst>
+      <p:ext uri="{BB962C8B-B14F-4D97-AF65-F5344CB8AC3E}">
+        <p14:creationId xmlns:p14="http://schemas.microsoft.com/office/powerpoint/2010/main" val="3655300745"/>
+      </p:ext>
+    </p:extLst>
+  </p:cSld>
+  <p:clrMapOvr>
+    <a:masterClrMapping/>
+  </p:clrMapOvr>
+</p:notes>
+</file>
+
+<file path=ppt/notesSlides/notesSlide4.xml><?xml version="1.0" encoding="utf-8"?>
 <p:notes xmlns:a="http://schemas.openxmlformats.org/drawingml/2006/main" xmlns:r="http://schemas.openxmlformats.org/officeDocument/2006/relationships" xmlns:p="http://schemas.openxmlformats.org/presentationml/2006/main">
   <p:cSld>
     <p:spTree>
@@ -3514,13 +3682,8 @@
           <a:p>
             <a:r>
               <a:rPr lang="de-CH" dirty="0"/>
-              <a:t>Task </a:t>
-            </a:r>
-            <a:r>
-              <a:rPr lang="de-CH" dirty="0" smtClean="0"/>
-              <a:t>7</a:t>
-            </a:r>
-            <a:endParaRPr lang="de-CH" dirty="0"/>
+              <a:t>Task 7</a:t>
+            </a:r>
           </a:p>
         </p:txBody>
       </p:sp>
@@ -3595,83 +3758,66 @@
           <a:lstStyle/>
           <a:p>
             <a:r>
-              <a:rPr lang="de-CH" dirty="0" smtClean="0"/>
+              <a:rPr lang="de-CH" dirty="0"/>
               <a:t>Domain Model (</a:t>
             </a:r>
             <a:r>
-              <a:rPr lang="de-CH" dirty="0" err="1" smtClean="0"/>
+              <a:rPr lang="de-CH" dirty="0" err="1"/>
               <a:t>lele</a:t>
-            </a:r>
-            <a:r>
-              <a:rPr lang="de-CH" dirty="0" smtClean="0"/>
-              <a:t>)</a:t>
-            </a:r>
-            <a:endParaRPr lang="es-AR" dirty="0"/>
-          </a:p>
-        </p:txBody>
-      </p:sp>
-      <p:sp>
-        <p:nvSpPr>
-          <p:cNvPr id="3" name="Inhaltsplatzhalter 2"/>
-          <p:cNvSpPr>
-            <a:spLocks noGrp="1"/>
-          </p:cNvSpPr>
-          <p:nvPr>
-            <p:ph idx="1"/>
-          </p:nvPr>
-        </p:nvSpPr>
-        <p:spPr/>
-        <p:txBody>
-          <a:bodyPr/>
-          <a:lstStyle/>
-          <a:p>
-            <a:r>
-              <a:rPr lang="de-CH" dirty="0" smtClean="0"/>
-              <a:t>Viele </a:t>
-            </a:r>
-            <a:r>
-              <a:rPr lang="de-CH" dirty="0"/>
-              <a:t>E</a:t>
-            </a:r>
-            <a:r>
-              <a:rPr lang="de-CH" dirty="0" smtClean="0"/>
-              <a:t>lemente aus vorherigen Tasks herauskristallisiert</a:t>
-            </a:r>
-          </a:p>
-          <a:p>
-            <a:pPr lvl="1"/>
-            <a:r>
-              <a:rPr lang="de-CH" dirty="0" smtClean="0"/>
-              <a:t>Pinnwand (Kommunikationsaustausch)</a:t>
-            </a:r>
-          </a:p>
-          <a:p>
-            <a:pPr lvl="1"/>
-            <a:r>
-              <a:rPr lang="de-CH" dirty="0"/>
-              <a:t>Aufbau der Medikation (Medikament, Infos zu Medikament, </a:t>
-            </a:r>
-            <a:r>
-              <a:rPr lang="de-CH" dirty="0" smtClean="0"/>
-              <a:t>Notifikation</a:t>
             </a:r>
             <a:r>
               <a:rPr lang="de-CH" dirty="0"/>
               <a:t>)</a:t>
             </a:r>
-            <a:endParaRPr lang="de-CH" dirty="0" smtClean="0"/>
+            <a:endParaRPr lang="es-AR" dirty="0"/>
+          </a:p>
+        </p:txBody>
+      </p:sp>
+      <p:sp>
+        <p:nvSpPr>
+          <p:cNvPr id="3" name="Inhaltsplatzhalter 2"/>
+          <p:cNvSpPr>
+            <a:spLocks noGrp="1"/>
+          </p:cNvSpPr>
+          <p:nvPr>
+            <p:ph idx="1"/>
+          </p:nvPr>
+        </p:nvSpPr>
+        <p:spPr/>
+        <p:txBody>
+          <a:bodyPr/>
+          <a:lstStyle/>
+          <a:p>
+            <a:r>
+              <a:rPr lang="de-CH" dirty="0"/>
+              <a:t>Viele Elemente aus vorherigen Tasks herauskristallisiert</a:t>
+            </a:r>
           </a:p>
           <a:p>
             <a:pPr lvl="1"/>
             <a:r>
-              <a:rPr lang="de-CH" dirty="0" smtClean="0"/>
+              <a:rPr lang="de-CH" dirty="0"/>
+              <a:t>Pinnwand (Kommunikationsaustausch)</a:t>
+            </a:r>
+          </a:p>
+          <a:p>
+            <a:pPr lvl="1"/>
+            <a:r>
+              <a:rPr lang="de-CH" dirty="0"/>
+              <a:t>Aufbau der Medikation (Medikament, Infos zu Medikament, Notifikation)</a:t>
+            </a:r>
+          </a:p>
+          <a:p>
+            <a:pPr lvl="1"/>
+            <a:r>
+              <a:rPr lang="de-CH" dirty="0"/>
               <a:t>Kalender</a:t>
             </a:r>
           </a:p>
           <a:p>
             <a:pPr lvl="1"/>
             <a:r>
-              <a:rPr lang="de-CH" dirty="0" smtClean="0"/>
+              <a:rPr lang="de-CH" dirty="0"/>
               <a:t>Notifikation</a:t>
             </a:r>
           </a:p>
@@ -3727,27 +3873,27 @@
           <a:lstStyle/>
           <a:p>
             <a:r>
-              <a:rPr lang="de-CH" dirty="0" err="1" smtClean="0"/>
+              <a:rPr lang="de-CH" dirty="0" err="1"/>
               <a:t>Responsive</a:t>
             </a:r>
             <a:r>
-              <a:rPr lang="de-CH" dirty="0" smtClean="0"/>
+              <a:rPr lang="de-CH" dirty="0"/>
               <a:t> </a:t>
             </a:r>
             <a:r>
-              <a:rPr lang="de-CH" dirty="0" err="1" smtClean="0"/>
+              <a:rPr lang="de-CH" dirty="0" err="1"/>
               <a:t>Driven</a:t>
             </a:r>
             <a:r>
-              <a:rPr lang="de-CH" dirty="0" smtClean="0"/>
+              <a:rPr lang="de-CH" dirty="0"/>
               <a:t> Design (</a:t>
             </a:r>
             <a:r>
-              <a:rPr lang="de-CH" dirty="0" err="1" smtClean="0"/>
+              <a:rPr lang="de-CH" dirty="0" err="1"/>
               <a:t>lele</a:t>
             </a:r>
             <a:r>
-              <a:rPr lang="de-CH" dirty="0" smtClean="0"/>
+              <a:rPr lang="de-CH" dirty="0"/>
               <a:t>)</a:t>
             </a:r>
             <a:endParaRPr lang="es-AR" dirty="0"/>
@@ -3770,7 +3916,7 @@
           <a:lstStyle/>
           <a:p>
             <a:r>
-              <a:rPr lang="de-CH" dirty="0" smtClean="0"/>
+              <a:rPr lang="de-CH" dirty="0"/>
               <a:t>CRC Karte muss Joy noch hochladen</a:t>
             </a:r>
           </a:p>
@@ -3828,23 +3974,23 @@
           <a:lstStyle/>
           <a:p>
             <a:r>
-              <a:rPr lang="de-CH" dirty="0" smtClean="0"/>
+              <a:rPr lang="de-CH" dirty="0"/>
               <a:t>UML </a:t>
             </a:r>
             <a:r>
-              <a:rPr lang="de-CH" dirty="0" err="1" smtClean="0"/>
+              <a:rPr lang="de-CH" dirty="0" err="1"/>
               <a:t>Draft</a:t>
             </a:r>
             <a:r>
-              <a:rPr lang="de-CH" dirty="0" smtClean="0"/>
+              <a:rPr lang="de-CH" dirty="0"/>
               <a:t> (</a:t>
             </a:r>
             <a:r>
-              <a:rPr lang="de-CH" dirty="0" err="1" smtClean="0"/>
+              <a:rPr lang="de-CH" dirty="0" err="1"/>
               <a:t>lele</a:t>
             </a:r>
             <a:r>
-              <a:rPr lang="de-CH" dirty="0" smtClean="0"/>
+              <a:rPr lang="de-CH" dirty="0"/>
               <a:t>)</a:t>
             </a:r>
             <a:endParaRPr lang="es-AR" dirty="0"/>
@@ -3867,11 +4013,11 @@
           <a:lstStyle/>
           <a:p>
             <a:r>
-              <a:rPr lang="de-CH" dirty="0" smtClean="0"/>
+              <a:rPr lang="de-CH" dirty="0"/>
               <a:t>V. </a:t>
             </a:r>
             <a:r>
-              <a:rPr lang="de-CH" smtClean="0"/>
+              <a:rPr lang="de-CH"/>
               <a:t>Whiteboard</a:t>
             </a:r>
             <a:endParaRPr lang="es-AR" dirty="0"/>
@@ -3924,15 +4070,15 @@
           <a:lstStyle/>
           <a:p>
             <a:r>
-              <a:rPr lang="de-CH" dirty="0" smtClean="0"/>
-              <a:t>UML Diagramm (</a:t>
-            </a:r>
-            <a:r>
-              <a:rPr lang="de-CH" dirty="0" err="1" smtClean="0"/>
-              <a:t>Säschu</a:t>
-            </a:r>
-            <a:r>
-              <a:rPr lang="de-CH" dirty="0" smtClean="0"/>
+              <a:rPr lang="de-CH" dirty="0"/>
+              <a:t>Sequenzdiagramm Krankenkasse ändern (</a:t>
+            </a:r>
+            <a:r>
+              <a:rPr lang="de-CH" dirty="0" err="1"/>
+              <a:t>säschu</a:t>
+            </a:r>
+            <a:r>
+              <a:rPr lang="de-CH" dirty="0"/>
               <a:t>)</a:t>
             </a:r>
             <a:endParaRPr lang="es-AR" dirty="0"/>
@@ -3953,6 +4099,129 @@
         <p:txBody>
           <a:bodyPr/>
           <a:lstStyle/>
+          <a:p>
+            <a:r>
+              <a:rPr lang="de-CH" dirty="0"/>
+              <a:t>Krankenkasse update -&gt; Remove </a:t>
+            </a:r>
+            <a:r>
+              <a:rPr lang="de-CH" dirty="0" err="1"/>
+              <a:t>old</a:t>
+            </a:r>
+            <a:r>
+              <a:rPr lang="de-CH" dirty="0"/>
+              <a:t> on </a:t>
+            </a:r>
+            <a:r>
+              <a:rPr lang="de-CH" dirty="0" err="1"/>
+              <a:t>patient</a:t>
+            </a:r>
+            <a:r>
+              <a:rPr lang="de-CH" dirty="0"/>
+              <a:t>, </a:t>
+            </a:r>
+            <a:r>
+              <a:rPr lang="de-CH" dirty="0" err="1"/>
+              <a:t>destroy</a:t>
+            </a:r>
+            <a:r>
+              <a:rPr lang="de-CH" dirty="0"/>
+              <a:t> </a:t>
+            </a:r>
+            <a:r>
+              <a:rPr lang="de-CH" dirty="0" err="1"/>
+              <a:t>old</a:t>
+            </a:r>
+            <a:r>
+              <a:rPr lang="de-CH" dirty="0"/>
+              <a:t> (not </a:t>
+            </a:r>
+            <a:r>
+              <a:rPr lang="de-CH" dirty="0" err="1"/>
+              <a:t>needed</a:t>
+            </a:r>
+            <a:r>
+              <a:rPr lang="de-CH" dirty="0"/>
+              <a:t> in </a:t>
+            </a:r>
+            <a:r>
+              <a:rPr lang="de-CH" dirty="0" err="1"/>
+              <a:t>database</a:t>
+            </a:r>
+            <a:r>
+              <a:rPr lang="de-CH" dirty="0"/>
+              <a:t> </a:t>
+            </a:r>
+            <a:r>
+              <a:rPr lang="de-CH" dirty="0" err="1"/>
+              <a:t>anymore</a:t>
+            </a:r>
+            <a:r>
+              <a:rPr lang="de-CH" dirty="0"/>
+              <a:t>), </a:t>
+            </a:r>
+            <a:r>
+              <a:rPr lang="de-CH" dirty="0" err="1"/>
+              <a:t>create</a:t>
+            </a:r>
+            <a:r>
+              <a:rPr lang="de-CH" dirty="0"/>
+              <a:t> </a:t>
+            </a:r>
+            <a:r>
+              <a:rPr lang="de-CH" dirty="0" err="1"/>
+              <a:t>new</a:t>
+            </a:r>
+            <a:r>
+              <a:rPr lang="de-CH" dirty="0"/>
+              <a:t> </a:t>
+            </a:r>
+            <a:r>
+              <a:rPr lang="de-CH" dirty="0" err="1"/>
+              <a:t>object</a:t>
+            </a:r>
+            <a:r>
+              <a:rPr lang="de-CH" dirty="0"/>
+              <a:t> (in </a:t>
+            </a:r>
+            <a:r>
+              <a:rPr lang="de-CH" dirty="0" err="1"/>
+              <a:t>database</a:t>
+            </a:r>
+            <a:r>
+              <a:rPr lang="de-CH" dirty="0"/>
+              <a:t>), </a:t>
+            </a:r>
+            <a:r>
+              <a:rPr lang="de-CH" dirty="0" err="1"/>
+              <a:t>add</a:t>
+            </a:r>
+            <a:r>
+              <a:rPr lang="de-CH" dirty="0"/>
+              <a:t> </a:t>
+            </a:r>
+            <a:r>
+              <a:rPr lang="de-CH" dirty="0" err="1"/>
+              <a:t>new</a:t>
+            </a:r>
+            <a:r>
+              <a:rPr lang="de-CH" dirty="0"/>
+              <a:t> </a:t>
+            </a:r>
+            <a:r>
+              <a:rPr lang="de-CH" dirty="0" err="1"/>
+              <a:t>one</a:t>
+            </a:r>
+            <a:r>
+              <a:rPr lang="de-CH" dirty="0"/>
+              <a:t> on </a:t>
+            </a:r>
+            <a:r>
+              <a:rPr lang="de-CH" dirty="0" err="1"/>
+              <a:t>patient</a:t>
+            </a:r>
+            <a:endParaRPr lang="en-GB" dirty="0"/>
+          </a:p>
           <a:p>
             <a:endParaRPr lang="es-AR" dirty="0"/>
           </a:p>
@@ -3961,7 +4230,7 @@
     </p:spTree>
     <p:extLst>
       <p:ext uri="{BB962C8B-B14F-4D97-AF65-F5344CB8AC3E}">
-        <p14:creationId xmlns:p14="http://schemas.microsoft.com/office/powerpoint/2010/main" val="3681734199"/>
+        <p14:creationId xmlns:p14="http://schemas.microsoft.com/office/powerpoint/2010/main" val="505604392"/>
       </p:ext>
     </p:extLst>
   </p:cSld>
@@ -4004,15 +4273,15 @@
           <a:lstStyle/>
           <a:p>
             <a:r>
-              <a:rPr lang="de-CH" dirty="0" smtClean="0"/>
-              <a:t>Sequenzdiagramm Krankenkasse ändern (</a:t>
-            </a:r>
-            <a:r>
-              <a:rPr lang="de-CH" dirty="0" err="1" smtClean="0"/>
-              <a:t>säschu</a:t>
-            </a:r>
-            <a:r>
-              <a:rPr lang="de-CH" dirty="0" smtClean="0"/>
+              <a:rPr lang="de-CH" dirty="0"/>
+              <a:t>Sequenzdiagramm Erinnerung Medikation (</a:t>
+            </a:r>
+            <a:r>
+              <a:rPr lang="de-CH" dirty="0" err="1"/>
+              <a:t>Säschu</a:t>
+            </a:r>
+            <a:r>
+              <a:rPr lang="de-CH" dirty="0"/>
               <a:t>)</a:t>
             </a:r>
             <a:endParaRPr lang="es-AR" dirty="0"/>
@@ -4034,14 +4303,85 @@
           <a:bodyPr/>
           <a:lstStyle/>
           <a:p>
-            <a:endParaRPr lang="es-AR"/>
+            <a:r>
+              <a:rPr lang="de-CH" dirty="0"/>
+              <a:t>Send </a:t>
+            </a:r>
+            <a:r>
+              <a:rPr lang="de-CH" dirty="0" err="1"/>
+              <a:t>medication</a:t>
+            </a:r>
+            <a:r>
+              <a:rPr lang="de-CH" dirty="0"/>
+              <a:t> </a:t>
+            </a:r>
+            <a:r>
+              <a:rPr lang="de-CH" dirty="0" err="1"/>
+              <a:t>notification</a:t>
+            </a:r>
+            <a:r>
+              <a:rPr lang="de-CH" dirty="0"/>
+              <a:t>: Create </a:t>
+            </a:r>
+            <a:r>
+              <a:rPr lang="de-CH" dirty="0" err="1"/>
+              <a:t>Notification</a:t>
+            </a:r>
+            <a:r>
+              <a:rPr lang="de-CH" dirty="0"/>
+              <a:t> (</a:t>
+            </a:r>
+            <a:r>
+              <a:rPr lang="de-CH" dirty="0" err="1"/>
+              <a:t>store</a:t>
+            </a:r>
+            <a:r>
+              <a:rPr lang="de-CH" dirty="0"/>
+              <a:t> in </a:t>
+            </a:r>
+            <a:r>
+              <a:rPr lang="de-CH" dirty="0" err="1"/>
+              <a:t>database</a:t>
+            </a:r>
+            <a:r>
+              <a:rPr lang="de-CH" dirty="0"/>
+              <a:t>), send </a:t>
+            </a:r>
+            <a:r>
+              <a:rPr lang="de-CH" dirty="0" err="1"/>
+              <a:t>created</a:t>
+            </a:r>
+            <a:r>
+              <a:rPr lang="de-CH" dirty="0"/>
+              <a:t> </a:t>
+            </a:r>
+            <a:r>
+              <a:rPr lang="de-CH" dirty="0" err="1"/>
+              <a:t>notification</a:t>
+            </a:r>
+            <a:r>
+              <a:rPr lang="de-CH" dirty="0"/>
+              <a:t> </a:t>
+            </a:r>
+            <a:r>
+              <a:rPr lang="de-CH" dirty="0" err="1"/>
+              <a:t>to</a:t>
+            </a:r>
+            <a:r>
+              <a:rPr lang="de-CH" dirty="0"/>
+              <a:t> relativ</a:t>
+            </a:r>
+            <a:endParaRPr lang="en-GB" dirty="0"/>
+          </a:p>
+          <a:p>
+            <a:endParaRPr lang="es-AR" dirty="0"/>
           </a:p>
         </p:txBody>
       </p:sp>
     </p:spTree>
     <p:extLst>
       <p:ext uri="{BB962C8B-B14F-4D97-AF65-F5344CB8AC3E}">
-        <p14:creationId xmlns:p14="http://schemas.microsoft.com/office/powerpoint/2010/main" val="505604392"/>
+        <p14:creationId xmlns:p14="http://schemas.microsoft.com/office/powerpoint/2010/main" val="1316428021"/>
       </p:ext>
     </p:extLst>
   </p:cSld>
@@ -4084,15 +4424,15 @@
           <a:lstStyle/>
           <a:p>
             <a:r>
-              <a:rPr lang="de-CH" dirty="0" smtClean="0"/>
-              <a:t>Sequenzdiagramm Erinnerung Medikation (</a:t>
-            </a:r>
-            <a:r>
-              <a:rPr lang="de-CH" dirty="0" err="1" smtClean="0"/>
-              <a:t>lele</a:t>
-            </a:r>
-            <a:r>
-              <a:rPr lang="de-CH" dirty="0" smtClean="0"/>
+              <a:rPr lang="de-CH" dirty="0"/>
+              <a:t>UML Diagramm (</a:t>
+            </a:r>
+            <a:r>
+              <a:rPr lang="de-CH" dirty="0" err="1"/>
+              <a:t>Säschu</a:t>
+            </a:r>
+            <a:r>
+              <a:rPr lang="de-CH" dirty="0"/>
               <a:t>)</a:t>
             </a:r>
             <a:endParaRPr lang="es-AR" dirty="0"/>
@@ -4121,7 +4461,7 @@
     </p:spTree>
     <p:extLst>
       <p:ext uri="{BB962C8B-B14F-4D97-AF65-F5344CB8AC3E}">
-        <p14:creationId xmlns:p14="http://schemas.microsoft.com/office/powerpoint/2010/main" val="1316428021"/>
+        <p14:creationId xmlns:p14="http://schemas.microsoft.com/office/powerpoint/2010/main" val="3681734199"/>
       </p:ext>
     </p:extLst>
   </p:cSld>

--- a/Orange/doc/CS01/task07/Task07.pptx
+++ b/Orange/doc/CS01/task07/Task07.pptx
@@ -5,17 +5,18 @@
     <p:sldMasterId id="2147483648" r:id="rId1"/>
   </p:sldMasterIdLst>
   <p:notesMasterIdLst>
-    <p:notesMasterId r:id="rId10"/>
+    <p:notesMasterId r:id="rId11"/>
   </p:notesMasterIdLst>
   <p:sldIdLst>
     <p:sldId id="256" r:id="rId2"/>
     <p:sldId id="265" r:id="rId3"/>
-    <p:sldId id="269" r:id="rId4"/>
-    <p:sldId id="270" r:id="rId5"/>
-    <p:sldId id="267" r:id="rId6"/>
-    <p:sldId id="268" r:id="rId7"/>
-    <p:sldId id="266" r:id="rId8"/>
-    <p:sldId id="264" r:id="rId9"/>
+    <p:sldId id="271" r:id="rId4"/>
+    <p:sldId id="269" r:id="rId5"/>
+    <p:sldId id="270" r:id="rId6"/>
+    <p:sldId id="267" r:id="rId7"/>
+    <p:sldId id="268" r:id="rId8"/>
+    <p:sldId id="266" r:id="rId9"/>
+    <p:sldId id="264" r:id="rId10"/>
   </p:sldIdLst>
   <p:sldSz cx="12192000" cy="6858000"/>
   <p:notesSz cx="6858000" cy="9144000"/>
@@ -600,7 +601,19 @@
           <a:bodyPr/>
           <a:lstStyle/>
           <a:p>
-            <a:endParaRPr lang="en-GB" dirty="0"/>
+            <a:r>
+              <a:rPr lang="de-CH" dirty="0" smtClean="0"/>
+              <a:t>Aus den </a:t>
+            </a:r>
+            <a:r>
+              <a:rPr lang="de-CH" dirty="0" err="1" smtClean="0"/>
+              <a:t>Requirements</a:t>
+            </a:r>
+            <a:r>
+              <a:rPr lang="de-CH" dirty="0" smtClean="0"/>
+              <a:t> Engineering</a:t>
+            </a:r>
+            <a:endParaRPr lang="es-AR" dirty="0"/>
           </a:p>
         </p:txBody>
       </p:sp>
@@ -621,7 +634,7 @@
           <a:p>
             <a:fld id="{6EF20B0F-E6B9-4CD6-95D5-6D8989F300DE}" type="slidenum">
               <a:rPr lang="de-CH" smtClean="0"/>
-              <a:t>5</a:t>
+              <a:t>2</a:t>
             </a:fld>
             <a:endParaRPr lang="de-CH"/>
           </a:p>
@@ -630,7 +643,7 @@
     </p:spTree>
     <p:extLst>
       <p:ext uri="{BB962C8B-B14F-4D97-AF65-F5344CB8AC3E}">
-        <p14:creationId xmlns:p14="http://schemas.microsoft.com/office/powerpoint/2010/main" val="2946228896"/>
+        <p14:creationId xmlns:p14="http://schemas.microsoft.com/office/powerpoint/2010/main" val="2069939550"/>
       </p:ext>
     </p:extLst>
   </p:cSld>
@@ -684,7 +697,15 @@
           <a:bodyPr/>
           <a:lstStyle/>
           <a:p>
-            <a:endParaRPr lang="en-GB" dirty="0"/>
+            <a:r>
+              <a:rPr lang="de-CH" dirty="0" smtClean="0"/>
+              <a:t>War</a:t>
+            </a:r>
+            <a:r>
+              <a:rPr lang="de-CH" baseline="0" dirty="0" smtClean="0"/>
+              <a:t> schon fast zu spät</a:t>
+            </a:r>
+            <a:endParaRPr lang="es-AR" dirty="0"/>
           </a:p>
         </p:txBody>
       </p:sp>
@@ -705,7 +726,7 @@
           <a:p>
             <a:fld id="{6EF20B0F-E6B9-4CD6-95D5-6D8989F300DE}" type="slidenum">
               <a:rPr lang="de-CH" smtClean="0"/>
-              <a:t>6</a:t>
+              <a:t>4</a:t>
             </a:fld>
             <a:endParaRPr lang="de-CH"/>
           </a:p>
@@ -714,7 +735,7 @@
     </p:spTree>
     <p:extLst>
       <p:ext uri="{BB962C8B-B14F-4D97-AF65-F5344CB8AC3E}">
-        <p14:creationId xmlns:p14="http://schemas.microsoft.com/office/powerpoint/2010/main" val="3655300745"/>
+        <p14:creationId xmlns:p14="http://schemas.microsoft.com/office/powerpoint/2010/main" val="393602257"/>
       </p:ext>
     </p:extLst>
   </p:cSld>
@@ -768,7 +789,25 @@
           <a:bodyPr/>
           <a:lstStyle/>
           <a:p>
-            <a:endParaRPr lang="en-US" dirty="0"/>
+            <a:r>
+              <a:rPr lang="de-CH" dirty="0" smtClean="0"/>
+              <a:t>Überlegt,</a:t>
+            </a:r>
+            <a:r>
+              <a:rPr lang="de-CH" baseline="0" dirty="0" smtClean="0"/>
+              <a:t> was gehört ins Domain Model</a:t>
+            </a:r>
+          </a:p>
+          <a:p>
+            <a:r>
+              <a:rPr lang="de-CH" baseline="0" dirty="0" smtClean="0"/>
+              <a:t>Relative steht </a:t>
+            </a:r>
+            <a:r>
+              <a:rPr lang="de-CH" baseline="0" smtClean="0"/>
+              <a:t>ziemlich alleine da</a:t>
+            </a:r>
+            <a:endParaRPr lang="es-AR" dirty="0"/>
           </a:p>
         </p:txBody>
       </p:sp>
@@ -789,7 +828,259 @@
           <a:p>
             <a:fld id="{6EF20B0F-E6B9-4CD6-95D5-6D8989F300DE}" type="slidenum">
               <a:rPr lang="de-CH" smtClean="0"/>
-              <a:t>8</a:t>
+              <a:t>5</a:t>
+            </a:fld>
+            <a:endParaRPr lang="de-CH"/>
+          </a:p>
+        </p:txBody>
+      </p:sp>
+    </p:spTree>
+    <p:extLst>
+      <p:ext uri="{BB962C8B-B14F-4D97-AF65-F5344CB8AC3E}">
+        <p14:creationId xmlns:p14="http://schemas.microsoft.com/office/powerpoint/2010/main" val="2586778964"/>
+      </p:ext>
+    </p:extLst>
+  </p:cSld>
+  <p:clrMapOvr>
+    <a:masterClrMapping/>
+  </p:clrMapOvr>
+</p:notes>
+</file>
+
+<file path=ppt/notesSlides/notesSlide5.xml><?xml version="1.0" encoding="utf-8"?>
+<p:notes xmlns:a="http://schemas.openxmlformats.org/drawingml/2006/main" xmlns:r="http://schemas.openxmlformats.org/officeDocument/2006/relationships" xmlns:p="http://schemas.openxmlformats.org/presentationml/2006/main">
+  <p:cSld>
+    <p:spTree>
+      <p:nvGrpSpPr>
+        <p:cNvPr id="1" name=""/>
+        <p:cNvGrpSpPr/>
+        <p:nvPr/>
+      </p:nvGrpSpPr>
+      <p:grpSpPr>
+        <a:xfrm>
+          <a:off x="0" y="0"/>
+          <a:ext cx="0" cy="0"/>
+          <a:chOff x="0" y="0"/>
+          <a:chExt cx="0" cy="0"/>
+        </a:xfrm>
+      </p:grpSpPr>
+      <p:sp>
+        <p:nvSpPr>
+          <p:cNvPr id="2" name="Folienbildplatzhalter 1"/>
+          <p:cNvSpPr>
+            <a:spLocks noGrp="1" noRot="1" noChangeAspect="1"/>
+          </p:cNvSpPr>
+          <p:nvPr>
+            <p:ph type="sldImg"/>
+          </p:nvPr>
+        </p:nvSpPr>
+        <p:spPr/>
+      </p:sp>
+      <p:sp>
+        <p:nvSpPr>
+          <p:cNvPr id="3" name="Notizenplatzhalter 2"/>
+          <p:cNvSpPr>
+            <a:spLocks noGrp="1"/>
+          </p:cNvSpPr>
+          <p:nvPr>
+            <p:ph type="body" idx="1"/>
+          </p:nvPr>
+        </p:nvSpPr>
+        <p:spPr/>
+        <p:txBody>
+          <a:bodyPr/>
+          <a:lstStyle/>
+          <a:p>
+            <a:endParaRPr lang="en-GB" dirty="0"/>
+          </a:p>
+        </p:txBody>
+      </p:sp>
+      <p:sp>
+        <p:nvSpPr>
+          <p:cNvPr id="4" name="Foliennummernplatzhalter 3"/>
+          <p:cNvSpPr>
+            <a:spLocks noGrp="1"/>
+          </p:cNvSpPr>
+          <p:nvPr>
+            <p:ph type="sldNum" sz="quarter" idx="10"/>
+          </p:nvPr>
+        </p:nvSpPr>
+        <p:spPr/>
+        <p:txBody>
+          <a:bodyPr/>
+          <a:lstStyle/>
+          <a:p>
+            <a:fld id="{6EF20B0F-E6B9-4CD6-95D5-6D8989F300DE}" type="slidenum">
+              <a:rPr lang="de-CH" smtClean="0"/>
+              <a:t>6</a:t>
+            </a:fld>
+            <a:endParaRPr lang="de-CH"/>
+          </a:p>
+        </p:txBody>
+      </p:sp>
+    </p:spTree>
+    <p:extLst>
+      <p:ext uri="{BB962C8B-B14F-4D97-AF65-F5344CB8AC3E}">
+        <p14:creationId xmlns:p14="http://schemas.microsoft.com/office/powerpoint/2010/main" val="2946228896"/>
+      </p:ext>
+    </p:extLst>
+  </p:cSld>
+  <p:clrMapOvr>
+    <a:masterClrMapping/>
+  </p:clrMapOvr>
+</p:notes>
+</file>
+
+<file path=ppt/notesSlides/notesSlide6.xml><?xml version="1.0" encoding="utf-8"?>
+<p:notes xmlns:a="http://schemas.openxmlformats.org/drawingml/2006/main" xmlns:r="http://schemas.openxmlformats.org/officeDocument/2006/relationships" xmlns:p="http://schemas.openxmlformats.org/presentationml/2006/main">
+  <p:cSld>
+    <p:spTree>
+      <p:nvGrpSpPr>
+        <p:cNvPr id="1" name=""/>
+        <p:cNvGrpSpPr/>
+        <p:nvPr/>
+      </p:nvGrpSpPr>
+      <p:grpSpPr>
+        <a:xfrm>
+          <a:off x="0" y="0"/>
+          <a:ext cx="0" cy="0"/>
+          <a:chOff x="0" y="0"/>
+          <a:chExt cx="0" cy="0"/>
+        </a:xfrm>
+      </p:grpSpPr>
+      <p:sp>
+        <p:nvSpPr>
+          <p:cNvPr id="2" name="Folienbildplatzhalter 1"/>
+          <p:cNvSpPr>
+            <a:spLocks noGrp="1" noRot="1" noChangeAspect="1"/>
+          </p:cNvSpPr>
+          <p:nvPr>
+            <p:ph type="sldImg"/>
+          </p:nvPr>
+        </p:nvSpPr>
+        <p:spPr/>
+      </p:sp>
+      <p:sp>
+        <p:nvSpPr>
+          <p:cNvPr id="3" name="Notizenplatzhalter 2"/>
+          <p:cNvSpPr>
+            <a:spLocks noGrp="1"/>
+          </p:cNvSpPr>
+          <p:nvPr>
+            <p:ph type="body" idx="1"/>
+          </p:nvPr>
+        </p:nvSpPr>
+        <p:spPr/>
+        <p:txBody>
+          <a:bodyPr/>
+          <a:lstStyle/>
+          <a:p>
+            <a:endParaRPr lang="en-GB" dirty="0"/>
+          </a:p>
+        </p:txBody>
+      </p:sp>
+      <p:sp>
+        <p:nvSpPr>
+          <p:cNvPr id="4" name="Foliennummernplatzhalter 3"/>
+          <p:cNvSpPr>
+            <a:spLocks noGrp="1"/>
+          </p:cNvSpPr>
+          <p:nvPr>
+            <p:ph type="sldNum" sz="quarter" idx="10"/>
+          </p:nvPr>
+        </p:nvSpPr>
+        <p:spPr/>
+        <p:txBody>
+          <a:bodyPr/>
+          <a:lstStyle/>
+          <a:p>
+            <a:fld id="{6EF20B0F-E6B9-4CD6-95D5-6D8989F300DE}" type="slidenum">
+              <a:rPr lang="de-CH" smtClean="0"/>
+              <a:t>7</a:t>
+            </a:fld>
+            <a:endParaRPr lang="de-CH"/>
+          </a:p>
+        </p:txBody>
+      </p:sp>
+    </p:spTree>
+    <p:extLst>
+      <p:ext uri="{BB962C8B-B14F-4D97-AF65-F5344CB8AC3E}">
+        <p14:creationId xmlns:p14="http://schemas.microsoft.com/office/powerpoint/2010/main" val="3655300745"/>
+      </p:ext>
+    </p:extLst>
+  </p:cSld>
+  <p:clrMapOvr>
+    <a:masterClrMapping/>
+  </p:clrMapOvr>
+</p:notes>
+</file>
+
+<file path=ppt/notesSlides/notesSlide7.xml><?xml version="1.0" encoding="utf-8"?>
+<p:notes xmlns:a="http://schemas.openxmlformats.org/drawingml/2006/main" xmlns:r="http://schemas.openxmlformats.org/officeDocument/2006/relationships" xmlns:p="http://schemas.openxmlformats.org/presentationml/2006/main">
+  <p:cSld>
+    <p:spTree>
+      <p:nvGrpSpPr>
+        <p:cNvPr id="1" name=""/>
+        <p:cNvGrpSpPr/>
+        <p:nvPr/>
+      </p:nvGrpSpPr>
+      <p:grpSpPr>
+        <a:xfrm>
+          <a:off x="0" y="0"/>
+          <a:ext cx="0" cy="0"/>
+          <a:chOff x="0" y="0"/>
+          <a:chExt cx="0" cy="0"/>
+        </a:xfrm>
+      </p:grpSpPr>
+      <p:sp>
+        <p:nvSpPr>
+          <p:cNvPr id="2" name="Folienbildplatzhalter 1"/>
+          <p:cNvSpPr>
+            <a:spLocks noGrp="1" noRot="1" noChangeAspect="1"/>
+          </p:cNvSpPr>
+          <p:nvPr>
+            <p:ph type="sldImg"/>
+          </p:nvPr>
+        </p:nvSpPr>
+        <p:spPr/>
+      </p:sp>
+      <p:sp>
+        <p:nvSpPr>
+          <p:cNvPr id="3" name="Notizenplatzhalter 2"/>
+          <p:cNvSpPr>
+            <a:spLocks noGrp="1"/>
+          </p:cNvSpPr>
+          <p:nvPr>
+            <p:ph type="body" idx="1"/>
+          </p:nvPr>
+        </p:nvSpPr>
+        <p:spPr/>
+        <p:txBody>
+          <a:bodyPr/>
+          <a:lstStyle/>
+          <a:p>
+            <a:endParaRPr lang="en-US" dirty="0"/>
+          </a:p>
+        </p:txBody>
+      </p:sp>
+      <p:sp>
+        <p:nvSpPr>
+          <p:cNvPr id="4" name="Foliennummernplatzhalter 3"/>
+          <p:cNvSpPr>
+            <a:spLocks noGrp="1"/>
+          </p:cNvSpPr>
+          <p:nvPr>
+            <p:ph type="sldNum" sz="quarter" idx="10"/>
+          </p:nvPr>
+        </p:nvSpPr>
+        <p:spPr/>
+        <p:txBody>
+          <a:bodyPr/>
+          <a:lstStyle/>
+          <a:p>
+            <a:fld id="{6EF20B0F-E6B9-4CD6-95D5-6D8989F300DE}" type="slidenum">
+              <a:rPr lang="de-CH" smtClean="0"/>
+              <a:t>9</a:t>
             </a:fld>
             <a:endParaRPr lang="de-CH"/>
           </a:p>
@@ -3790,36 +4081,108 @@
           <a:p>
             <a:r>
               <a:rPr lang="de-CH" dirty="0"/>
-              <a:t>Viele Elemente aus vorherigen Tasks herauskristallisiert</a:t>
-            </a:r>
+              <a:t>Viele Elemente aus vorherigen Tasks </a:t>
+            </a:r>
+            <a:r>
+              <a:rPr lang="de-CH" dirty="0" smtClean="0"/>
+              <a:t>herauskristallisiert (RE)</a:t>
+            </a:r>
+            <a:endParaRPr lang="de-CH" dirty="0"/>
           </a:p>
           <a:p>
             <a:pPr lvl="1"/>
             <a:r>
+              <a:rPr lang="de-CH" b="1" dirty="0" smtClean="0"/>
+              <a:t>Relative</a:t>
+            </a:r>
+            <a:r>
+              <a:rPr lang="de-CH" dirty="0" smtClean="0"/>
+              <a:t>, </a:t>
+            </a:r>
+            <a:r>
+              <a:rPr lang="de-CH" b="1" dirty="0" smtClean="0"/>
+              <a:t>Patient</a:t>
+            </a:r>
+            <a:r>
+              <a:rPr lang="de-CH" dirty="0" smtClean="0"/>
+              <a:t>, </a:t>
+            </a:r>
+            <a:r>
+              <a:rPr lang="de-CH" b="1" dirty="0" err="1" smtClean="0"/>
+              <a:t>Doctor</a:t>
+            </a:r>
+            <a:endParaRPr lang="de-CH" b="1" dirty="0" smtClean="0"/>
+          </a:p>
+          <a:p>
+            <a:pPr lvl="1"/>
+            <a:r>
+              <a:rPr lang="de-CH" dirty="0" smtClean="0"/>
+              <a:t>Kommunikationsaustausch</a:t>
+            </a:r>
+            <a:r>
+              <a:rPr lang="de-CH" dirty="0" smtClean="0"/>
+              <a:t> -&gt; </a:t>
+            </a:r>
+            <a:r>
+              <a:rPr lang="de-CH" b="1" dirty="0" smtClean="0"/>
+              <a:t>Pinnwand</a:t>
+            </a:r>
+            <a:endParaRPr lang="de-CH" b="1" dirty="0"/>
+          </a:p>
+          <a:p>
+            <a:pPr lvl="1"/>
+            <a:r>
               <a:rPr lang="de-CH" dirty="0"/>
-              <a:t>Pinnwand (Kommunikationsaustausch)</a:t>
-            </a:r>
+              <a:t>Aufbau der </a:t>
+            </a:r>
+            <a:r>
+              <a:rPr lang="de-CH" b="1" dirty="0"/>
+              <a:t>Medikation</a:t>
+            </a:r>
+            <a:r>
+              <a:rPr lang="de-CH" dirty="0"/>
+              <a:t> (</a:t>
+            </a:r>
+            <a:r>
+              <a:rPr lang="de-CH" b="1" dirty="0"/>
+              <a:t>Medikament</a:t>
+            </a:r>
+            <a:r>
+              <a:rPr lang="de-CH" dirty="0"/>
+              <a:t>, </a:t>
+            </a:r>
+            <a:r>
+              <a:rPr lang="de-CH" b="1" dirty="0"/>
+              <a:t>Infos zu Medikament</a:t>
+            </a:r>
+            <a:r>
+              <a:rPr lang="de-CH" dirty="0"/>
+              <a:t>, </a:t>
+            </a:r>
+            <a:r>
+              <a:rPr lang="de-CH" b="1" dirty="0" smtClean="0"/>
+              <a:t>Erinnerung</a:t>
+            </a:r>
+            <a:r>
+              <a:rPr lang="de-CH" dirty="0" smtClean="0"/>
+              <a:t>)</a:t>
+            </a:r>
+            <a:endParaRPr lang="de-CH" dirty="0"/>
           </a:p>
           <a:p>
             <a:pPr lvl="1"/>
             <a:r>
-              <a:rPr lang="de-CH" dirty="0"/>
-              <a:t>Aufbau der Medikation (Medikament, Infos zu Medikament, Notifikation)</a:t>
+              <a:rPr lang="de-CH" b="1" dirty="0"/>
+              <a:t>Kalender</a:t>
             </a:r>
           </a:p>
           <a:p>
             <a:pPr lvl="1"/>
             <a:r>
-              <a:rPr lang="de-CH" dirty="0"/>
-              <a:t>Kalender</a:t>
-            </a:r>
-          </a:p>
-          <a:p>
-            <a:pPr lvl="1"/>
-            <a:r>
-              <a:rPr lang="de-CH" dirty="0"/>
-              <a:t>Notifikation</a:t>
-            </a:r>
+              <a:rPr lang="de-CH" b="1" dirty="0" smtClean="0"/>
+              <a:t>Erinnerung (Notifikation)</a:t>
+            </a:r>
+            <a:endParaRPr lang="de-CH" b="1" dirty="0"/>
           </a:p>
           <a:p>
             <a:pPr lvl="1"/>
@@ -3873,28 +4236,8 @@
           <a:lstStyle/>
           <a:p>
             <a:r>
-              <a:rPr lang="de-CH" dirty="0" err="1"/>
-              <a:t>Responsive</a:t>
-            </a:r>
-            <a:r>
-              <a:rPr lang="de-CH" dirty="0"/>
-              <a:t> </a:t>
-            </a:r>
-            <a:r>
-              <a:rPr lang="de-CH" dirty="0" err="1"/>
-              <a:t>Driven</a:t>
-            </a:r>
-            <a:r>
-              <a:rPr lang="de-CH" dirty="0"/>
-              <a:t> Design (</a:t>
-            </a:r>
-            <a:r>
-              <a:rPr lang="de-CH" dirty="0" err="1"/>
-              <a:t>lele</a:t>
-            </a:r>
-            <a:r>
-              <a:rPr lang="de-CH" dirty="0"/>
-              <a:t>)</a:t>
+              <a:rPr lang="de-CH" dirty="0" err="1" smtClean="0"/>
+              <a:t>Entities</a:t>
             </a:r>
             <a:endParaRPr lang="es-AR" dirty="0"/>
           </a:p>
@@ -3915,23 +4258,38 @@
           <a:bodyPr/>
           <a:lstStyle/>
           <a:p>
-            <a:r>
-              <a:rPr lang="de-CH" dirty="0"/>
-              <a:t>CRC Karte muss Joy noch hochladen</a:t>
-            </a:r>
-          </a:p>
-          <a:p>
-            <a:endParaRPr lang="de-CH" dirty="0"/>
-          </a:p>
-          <a:p>
-            <a:endParaRPr lang="es-AR" dirty="0"/>
-          </a:p>
-        </p:txBody>
-      </p:sp>
+            <a:endParaRPr lang="es-AR"/>
+          </a:p>
+        </p:txBody>
+      </p:sp>
+      <p:pic>
+        <p:nvPicPr>
+          <p:cNvPr id="4" name="Grafik 3"/>
+          <p:cNvPicPr>
+            <a:picLocks noChangeAspect="1"/>
+          </p:cNvPicPr>
+          <p:nvPr/>
+        </p:nvPicPr>
+        <p:blipFill>
+          <a:blip r:embed="rId2"/>
+          <a:stretch>
+            <a:fillRect/>
+          </a:stretch>
+        </p:blipFill>
+        <p:spPr>
+          <a:xfrm>
+            <a:off x="1606576" y="1825625"/>
+            <a:ext cx="8978848" cy="4306927"/>
+          </a:xfrm>
+          <a:prstGeom prst="rect">
+            <a:avLst/>
+          </a:prstGeom>
+        </p:spPr>
+      </p:pic>
     </p:spTree>
     <p:extLst>
       <p:ext uri="{BB962C8B-B14F-4D97-AF65-F5344CB8AC3E}">
-        <p14:creationId xmlns:p14="http://schemas.microsoft.com/office/powerpoint/2010/main" val="631921521"/>
+        <p14:creationId xmlns:p14="http://schemas.microsoft.com/office/powerpoint/2010/main" val="821932288"/>
       </p:ext>
     </p:extLst>
   </p:cSld>
@@ -3974,16 +4332,20 @@
           <a:lstStyle/>
           <a:p>
             <a:r>
+              <a:rPr lang="de-CH" dirty="0" err="1"/>
+              <a:t>Responsive</a:t>
+            </a:r>
+            <a:r>
               <a:rPr lang="de-CH" dirty="0"/>
-              <a:t>UML </a:t>
+              <a:t> </a:t>
             </a:r>
             <a:r>
               <a:rPr lang="de-CH" dirty="0" err="1"/>
-              <a:t>Draft</a:t>
+              <a:t>Driven</a:t>
             </a:r>
             <a:r>
               <a:rPr lang="de-CH" dirty="0"/>
-              <a:t> (</a:t>
+              <a:t> Design (</a:t>
             </a:r>
             <a:r>
               <a:rPr lang="de-CH" dirty="0" err="1"/>
@@ -4014,12 +4376,13 @@
           <a:p>
             <a:r>
               <a:rPr lang="de-CH" dirty="0"/>
-              <a:t>V. </a:t>
-            </a:r>
-            <a:r>
-              <a:rPr lang="de-CH"/>
-              <a:t>Whiteboard</a:t>
-            </a:r>
+              <a:t>CRC Karte muss Joy noch hochladen</a:t>
+            </a:r>
+          </a:p>
+          <a:p>
+            <a:endParaRPr lang="de-CH" dirty="0"/>
+          </a:p>
+          <a:p>
             <a:endParaRPr lang="es-AR" dirty="0"/>
           </a:p>
         </p:txBody>
@@ -4027,7 +4390,7 @@
     </p:spTree>
     <p:extLst>
       <p:ext uri="{BB962C8B-B14F-4D97-AF65-F5344CB8AC3E}">
-        <p14:creationId xmlns:p14="http://schemas.microsoft.com/office/powerpoint/2010/main" val="131062782"/>
+        <p14:creationId xmlns:p14="http://schemas.microsoft.com/office/powerpoint/2010/main" val="631921521"/>
       </p:ext>
     </p:extLst>
   </p:cSld>
@@ -4071,11 +4434,19 @@
           <a:p>
             <a:r>
               <a:rPr lang="de-CH" dirty="0"/>
-              <a:t>Sequenzdiagramm Krankenkasse ändern (</a:t>
+              <a:t>UML </a:t>
             </a:r>
             <a:r>
               <a:rPr lang="de-CH" dirty="0" err="1"/>
-              <a:t>säschu</a:t>
+              <a:t>Draft</a:t>
+            </a:r>
+            <a:r>
+              <a:rPr lang="de-CH" dirty="0"/>
+              <a:t> (</a:t>
+            </a:r>
+            <a:r>
+              <a:rPr lang="de-CH" dirty="0" err="1"/>
+              <a:t>lele</a:t>
             </a:r>
             <a:r>
               <a:rPr lang="de-CH" dirty="0"/>
@@ -4085,152 +4456,36 @@
           </a:p>
         </p:txBody>
       </p:sp>
-      <p:sp>
-        <p:nvSpPr>
-          <p:cNvPr id="3" name="Inhaltsplatzhalter 2"/>
-          <p:cNvSpPr>
-            <a:spLocks noGrp="1"/>
-          </p:cNvSpPr>
+      <p:pic>
+        <p:nvPicPr>
+          <p:cNvPr id="4" name="Inhaltsplatzhalter 3"/>
+          <p:cNvPicPr>
+            <a:picLocks noGrp="1" noChangeAspect="1"/>
+          </p:cNvPicPr>
           <p:nvPr>
             <p:ph idx="1"/>
           </p:nvPr>
-        </p:nvSpPr>
-        <p:spPr/>
-        <p:txBody>
-          <a:bodyPr/>
-          <a:lstStyle/>
-          <a:p>
-            <a:r>
-              <a:rPr lang="de-CH" dirty="0"/>
-              <a:t>Krankenkasse update -&gt; Remove </a:t>
-            </a:r>
-            <a:r>
-              <a:rPr lang="de-CH" dirty="0" err="1"/>
-              <a:t>old</a:t>
-            </a:r>
-            <a:r>
-              <a:rPr lang="de-CH" dirty="0"/>
-              <a:t> on </a:t>
-            </a:r>
-            <a:r>
-              <a:rPr lang="de-CH" dirty="0" err="1"/>
-              <a:t>patient</a:t>
-            </a:r>
-            <a:r>
-              <a:rPr lang="de-CH" dirty="0"/>
-              <a:t>, </a:t>
-            </a:r>
-            <a:r>
-              <a:rPr lang="de-CH" dirty="0" err="1"/>
-              <a:t>destroy</a:t>
-            </a:r>
-            <a:r>
-              <a:rPr lang="de-CH" dirty="0"/>
-              <a:t> </a:t>
-            </a:r>
-            <a:r>
-              <a:rPr lang="de-CH" dirty="0" err="1"/>
-              <a:t>old</a:t>
-            </a:r>
-            <a:r>
-              <a:rPr lang="de-CH" dirty="0"/>
-              <a:t> (not </a:t>
-            </a:r>
-            <a:r>
-              <a:rPr lang="de-CH" dirty="0" err="1"/>
-              <a:t>needed</a:t>
-            </a:r>
-            <a:r>
-              <a:rPr lang="de-CH" dirty="0"/>
-              <a:t> in </a:t>
-            </a:r>
-            <a:r>
-              <a:rPr lang="de-CH" dirty="0" err="1"/>
-              <a:t>database</a:t>
-            </a:r>
-            <a:r>
-              <a:rPr lang="de-CH" dirty="0"/>
-              <a:t> </a:t>
-            </a:r>
-            <a:r>
-              <a:rPr lang="de-CH" dirty="0" err="1"/>
-              <a:t>anymore</a:t>
-            </a:r>
-            <a:r>
-              <a:rPr lang="de-CH" dirty="0"/>
-              <a:t>), </a:t>
-            </a:r>
-            <a:r>
-              <a:rPr lang="de-CH" dirty="0" err="1"/>
-              <a:t>create</a:t>
-            </a:r>
-            <a:r>
-              <a:rPr lang="de-CH" dirty="0"/>
-              <a:t> </a:t>
-            </a:r>
-            <a:r>
-              <a:rPr lang="de-CH" dirty="0" err="1"/>
-              <a:t>new</a:t>
-            </a:r>
-            <a:r>
-              <a:rPr lang="de-CH" dirty="0"/>
-              <a:t> </a:t>
-            </a:r>
-            <a:r>
-              <a:rPr lang="de-CH" dirty="0" err="1"/>
-              <a:t>object</a:t>
-            </a:r>
-            <a:r>
-              <a:rPr lang="de-CH" dirty="0"/>
-              <a:t> (in </a:t>
-            </a:r>
-            <a:r>
-              <a:rPr lang="de-CH" dirty="0" err="1"/>
-              <a:t>database</a:t>
-            </a:r>
-            <a:r>
-              <a:rPr lang="de-CH" dirty="0"/>
-              <a:t>), </a:t>
-            </a:r>
-            <a:r>
-              <a:rPr lang="de-CH" dirty="0" err="1"/>
-              <a:t>add</a:t>
-            </a:r>
-            <a:r>
-              <a:rPr lang="de-CH" dirty="0"/>
-              <a:t> </a:t>
-            </a:r>
-            <a:r>
-              <a:rPr lang="de-CH" dirty="0" err="1"/>
-              <a:t>new</a:t>
-            </a:r>
-            <a:r>
-              <a:rPr lang="de-CH" dirty="0"/>
-              <a:t> </a:t>
-            </a:r>
-            <a:r>
-              <a:rPr lang="de-CH" dirty="0" err="1"/>
-              <a:t>one</a:t>
-            </a:r>
-            <a:r>
-              <a:rPr lang="de-CH" dirty="0"/>
-              <a:t> on </a:t>
-            </a:r>
-            <a:r>
-              <a:rPr lang="de-CH" dirty="0" err="1"/>
-              <a:t>patient</a:t>
-            </a:r>
-            <a:endParaRPr lang="en-GB" dirty="0"/>
-          </a:p>
-          <a:p>
-            <a:endParaRPr lang="es-AR" dirty="0"/>
-          </a:p>
-        </p:txBody>
-      </p:sp>
+        </p:nvPicPr>
+        <p:blipFill>
+          <a:blip r:embed="rId3"/>
+          <a:stretch>
+            <a:fillRect/>
+          </a:stretch>
+        </p:blipFill>
+        <p:spPr>
+          <a:xfrm>
+            <a:off x="434662" y="2133600"/>
+            <a:ext cx="11322676" cy="3486847"/>
+          </a:xfrm>
+          <a:prstGeom prst="rect">
+            <a:avLst/>
+          </a:prstGeom>
+        </p:spPr>
+      </p:pic>
     </p:spTree>
     <p:extLst>
       <p:ext uri="{BB962C8B-B14F-4D97-AF65-F5344CB8AC3E}">
-        <p14:creationId xmlns:p14="http://schemas.microsoft.com/office/powerpoint/2010/main" val="505604392"/>
+        <p14:creationId xmlns:p14="http://schemas.microsoft.com/office/powerpoint/2010/main" val="131062782"/>
       </p:ext>
     </p:extLst>
   </p:cSld>
@@ -4274,11 +4529,11 @@
           <a:p>
             <a:r>
               <a:rPr lang="de-CH" dirty="0"/>
-              <a:t>Sequenzdiagramm Erinnerung Medikation (</a:t>
+              <a:t>Sequenzdiagramm Krankenkasse ändern (</a:t>
             </a:r>
             <a:r>
               <a:rPr lang="de-CH" dirty="0" err="1"/>
-              <a:t>Säschu</a:t>
+              <a:t>säschu</a:t>
             </a:r>
             <a:r>
               <a:rPr lang="de-CH" dirty="0"/>
@@ -4305,11 +4560,27 @@
           <a:p>
             <a:r>
               <a:rPr lang="de-CH" dirty="0"/>
-              <a:t>Send </a:t>
+              <a:t>Krankenkasse update -&gt; Remove </a:t>
             </a:r>
             <a:r>
               <a:rPr lang="de-CH" dirty="0" err="1"/>
-              <a:t>medication</a:t>
+              <a:t>old</a:t>
+            </a:r>
+            <a:r>
+              <a:rPr lang="de-CH" dirty="0"/>
+              <a:t> on </a:t>
+            </a:r>
+            <a:r>
+              <a:rPr lang="de-CH" dirty="0" err="1"/>
+              <a:t>patient</a:t>
+            </a:r>
+            <a:r>
+              <a:rPr lang="de-CH" dirty="0"/>
+              <a:t>, </a:t>
+            </a:r>
+            <a:r>
+              <a:rPr lang="de-CH" dirty="0" err="1"/>
+              <a:t>destroy</a:t>
             </a:r>
             <a:r>
               <a:rPr lang="de-CH" dirty="0"/>
@@ -4317,23 +4588,15 @@
             </a:r>
             <a:r>
               <a:rPr lang="de-CH" dirty="0" err="1"/>
-              <a:t>notification</a:t>
+              <a:t>old</a:t>
             </a:r>
             <a:r>
               <a:rPr lang="de-CH" dirty="0"/>
-              <a:t>: Create </a:t>
+              <a:t> (not </a:t>
             </a:r>
             <a:r>
               <a:rPr lang="de-CH" dirty="0" err="1"/>
-              <a:t>Notification</a:t>
-            </a:r>
-            <a:r>
-              <a:rPr lang="de-CH" dirty="0"/>
-              <a:t> (</a:t>
-            </a:r>
-            <a:r>
-              <a:rPr lang="de-CH" dirty="0" err="1"/>
-              <a:t>store</a:t>
+              <a:t>needed</a:t>
             </a:r>
             <a:r>
               <a:rPr lang="de-CH" dirty="0"/>
@@ -4345,11 +4608,19 @@
             </a:r>
             <a:r>
               <a:rPr lang="de-CH" dirty="0"/>
-              <a:t>), send </a:t>
+              <a:t> </a:t>
             </a:r>
             <a:r>
               <a:rPr lang="de-CH" dirty="0" err="1"/>
-              <a:t>created</a:t>
+              <a:t>anymore</a:t>
+            </a:r>
+            <a:r>
+              <a:rPr lang="de-CH" dirty="0"/>
+              <a:t>), </a:t>
+            </a:r>
+            <a:r>
+              <a:rPr lang="de-CH" dirty="0" err="1"/>
+              <a:t>create</a:t>
             </a:r>
             <a:r>
               <a:rPr lang="de-CH" dirty="0"/>
@@ -4357,7 +4628,7 @@
             </a:r>
             <a:r>
               <a:rPr lang="de-CH" dirty="0" err="1"/>
-              <a:t>notification</a:t>
+              <a:t>new</a:t>
             </a:r>
             <a:r>
               <a:rPr lang="de-CH" dirty="0"/>
@@ -4365,11 +4636,47 @@
             </a:r>
             <a:r>
               <a:rPr lang="de-CH" dirty="0" err="1"/>
-              <a:t>to</a:t>
+              <a:t>object</a:t>
             </a:r>
             <a:r>
               <a:rPr lang="de-CH" dirty="0"/>
-              <a:t> relativ</a:t>
+              <a:t> (in </a:t>
+            </a:r>
+            <a:r>
+              <a:rPr lang="de-CH" dirty="0" err="1"/>
+              <a:t>database</a:t>
+            </a:r>
+            <a:r>
+              <a:rPr lang="de-CH" dirty="0"/>
+              <a:t>), </a:t>
+            </a:r>
+            <a:r>
+              <a:rPr lang="de-CH" dirty="0" err="1"/>
+              <a:t>add</a:t>
+            </a:r>
+            <a:r>
+              <a:rPr lang="de-CH" dirty="0"/>
+              <a:t> </a:t>
+            </a:r>
+            <a:r>
+              <a:rPr lang="de-CH" dirty="0" err="1"/>
+              <a:t>new</a:t>
+            </a:r>
+            <a:r>
+              <a:rPr lang="de-CH" dirty="0"/>
+              <a:t> </a:t>
+            </a:r>
+            <a:r>
+              <a:rPr lang="de-CH" dirty="0" err="1"/>
+              <a:t>one</a:t>
+            </a:r>
+            <a:r>
+              <a:rPr lang="de-CH" dirty="0"/>
+              <a:t> on </a:t>
+            </a:r>
+            <a:r>
+              <a:rPr lang="de-CH" dirty="0" err="1"/>
+              <a:t>patient</a:t>
             </a:r>
             <a:endParaRPr lang="en-GB" dirty="0"/>
           </a:p>
@@ -4381,7 +4688,7 @@
     </p:spTree>
     <p:extLst>
       <p:ext uri="{BB962C8B-B14F-4D97-AF65-F5344CB8AC3E}">
-        <p14:creationId xmlns:p14="http://schemas.microsoft.com/office/powerpoint/2010/main" val="1316428021"/>
+        <p14:creationId xmlns:p14="http://schemas.microsoft.com/office/powerpoint/2010/main" val="505604392"/>
       </p:ext>
     </p:extLst>
   </p:cSld>
@@ -4425,6 +4732,157 @@
           <a:p>
             <a:r>
               <a:rPr lang="de-CH" dirty="0"/>
+              <a:t>Sequenzdiagramm Erinnerung Medikation (</a:t>
+            </a:r>
+            <a:r>
+              <a:rPr lang="de-CH" dirty="0" err="1"/>
+              <a:t>Säschu</a:t>
+            </a:r>
+            <a:r>
+              <a:rPr lang="de-CH" dirty="0"/>
+              <a:t>)</a:t>
+            </a:r>
+            <a:endParaRPr lang="es-AR" dirty="0"/>
+          </a:p>
+        </p:txBody>
+      </p:sp>
+      <p:sp>
+        <p:nvSpPr>
+          <p:cNvPr id="3" name="Inhaltsplatzhalter 2"/>
+          <p:cNvSpPr>
+            <a:spLocks noGrp="1"/>
+          </p:cNvSpPr>
+          <p:nvPr>
+            <p:ph idx="1"/>
+          </p:nvPr>
+        </p:nvSpPr>
+        <p:spPr/>
+        <p:txBody>
+          <a:bodyPr/>
+          <a:lstStyle/>
+          <a:p>
+            <a:r>
+              <a:rPr lang="de-CH" dirty="0"/>
+              <a:t>Send </a:t>
+            </a:r>
+            <a:r>
+              <a:rPr lang="de-CH" dirty="0" err="1"/>
+              <a:t>medication</a:t>
+            </a:r>
+            <a:r>
+              <a:rPr lang="de-CH" dirty="0"/>
+              <a:t> </a:t>
+            </a:r>
+            <a:r>
+              <a:rPr lang="de-CH" dirty="0" err="1"/>
+              <a:t>notification</a:t>
+            </a:r>
+            <a:r>
+              <a:rPr lang="de-CH" dirty="0"/>
+              <a:t>: Create </a:t>
+            </a:r>
+            <a:r>
+              <a:rPr lang="de-CH" dirty="0" err="1"/>
+              <a:t>Notification</a:t>
+            </a:r>
+            <a:r>
+              <a:rPr lang="de-CH" dirty="0"/>
+              <a:t> (</a:t>
+            </a:r>
+            <a:r>
+              <a:rPr lang="de-CH" dirty="0" err="1"/>
+              <a:t>store</a:t>
+            </a:r>
+            <a:r>
+              <a:rPr lang="de-CH" dirty="0"/>
+              <a:t> in </a:t>
+            </a:r>
+            <a:r>
+              <a:rPr lang="de-CH" dirty="0" err="1"/>
+              <a:t>database</a:t>
+            </a:r>
+            <a:r>
+              <a:rPr lang="de-CH" dirty="0"/>
+              <a:t>), send </a:t>
+            </a:r>
+            <a:r>
+              <a:rPr lang="de-CH" dirty="0" err="1"/>
+              <a:t>created</a:t>
+            </a:r>
+            <a:r>
+              <a:rPr lang="de-CH" dirty="0"/>
+              <a:t> </a:t>
+            </a:r>
+            <a:r>
+              <a:rPr lang="de-CH" dirty="0" err="1"/>
+              <a:t>notification</a:t>
+            </a:r>
+            <a:r>
+              <a:rPr lang="de-CH" dirty="0"/>
+              <a:t> </a:t>
+            </a:r>
+            <a:r>
+              <a:rPr lang="de-CH" dirty="0" err="1"/>
+              <a:t>to</a:t>
+            </a:r>
+            <a:r>
+              <a:rPr lang="de-CH" dirty="0"/>
+              <a:t> relativ</a:t>
+            </a:r>
+            <a:endParaRPr lang="en-GB" dirty="0"/>
+          </a:p>
+          <a:p>
+            <a:endParaRPr lang="es-AR" dirty="0"/>
+          </a:p>
+        </p:txBody>
+      </p:sp>
+    </p:spTree>
+    <p:extLst>
+      <p:ext uri="{BB962C8B-B14F-4D97-AF65-F5344CB8AC3E}">
+        <p14:creationId xmlns:p14="http://schemas.microsoft.com/office/powerpoint/2010/main" val="1316428021"/>
+      </p:ext>
+    </p:extLst>
+  </p:cSld>
+  <p:clrMapOvr>
+    <a:masterClrMapping/>
+  </p:clrMapOvr>
+</p:sld>
+</file>
+
+<file path=ppt/slides/slide8.xml><?xml version="1.0" encoding="utf-8"?>
+<p:sld xmlns:a="http://schemas.openxmlformats.org/drawingml/2006/main" xmlns:r="http://schemas.openxmlformats.org/officeDocument/2006/relationships" xmlns:p="http://schemas.openxmlformats.org/presentationml/2006/main">
+  <p:cSld>
+    <p:spTree>
+      <p:nvGrpSpPr>
+        <p:cNvPr id="1" name=""/>
+        <p:cNvGrpSpPr/>
+        <p:nvPr/>
+      </p:nvGrpSpPr>
+      <p:grpSpPr>
+        <a:xfrm>
+          <a:off x="0" y="0"/>
+          <a:ext cx="0" cy="0"/>
+          <a:chOff x="0" y="0"/>
+          <a:chExt cx="0" cy="0"/>
+        </a:xfrm>
+      </p:grpSpPr>
+      <p:sp>
+        <p:nvSpPr>
+          <p:cNvPr id="2" name="Titel 1"/>
+          <p:cNvSpPr>
+            <a:spLocks noGrp="1"/>
+          </p:cNvSpPr>
+          <p:nvPr>
+            <p:ph type="title"/>
+          </p:nvPr>
+        </p:nvSpPr>
+        <p:spPr/>
+        <p:txBody>
+          <a:bodyPr/>
+          <a:lstStyle/>
+          <a:p>
+            <a:r>
+              <a:rPr lang="de-CH" dirty="0"/>
               <a:t>UML Diagramm (</a:t>
             </a:r>
             <a:r>
@@ -4471,7 +4929,7 @@
 </p:sld>
 </file>
 
-<file path=ppt/slides/slide8.xml><?xml version="1.0" encoding="utf-8"?>
+<file path=ppt/slides/slide9.xml><?xml version="1.0" encoding="utf-8"?>
 <p:sld xmlns:a="http://schemas.openxmlformats.org/drawingml/2006/main" xmlns:r="http://schemas.openxmlformats.org/officeDocument/2006/relationships" xmlns:p="http://schemas.openxmlformats.org/presentationml/2006/main">
   <p:cSld>
     <p:spTree>
